--- a/LCLS/Summary_08-05-2021.pptx
+++ b/LCLS/Summary_08-05-2021.pptx
@@ -158,6 +158,9 @@
         </p14:section>
       </p14:sectionLst>
     </p:ext>
+    <p:ext uri="{EFAFB233-063F-42B5-8137-9DF3F51BA10A}">
+      <p15:sldGuideLst xmlns:p15="http://schemas.microsoft.com/office/powerpoint/2012/main"/>
+    </p:ext>
   </p:extLst>
 </p:presentation>
 </file>
@@ -321,7 +324,7 @@
           <a:p>
             <a:fld id="{5C32E917-F9FC-4C1B-9E3D-6687034D4941}" type="datetimeFigureOut">
               <a:rPr lang="en-US" smtClean="0"/>
-              <a:t>8/5/2021</a:t>
+              <a:t>8/12/2021</a:t>
             </a:fld>
             <a:endParaRPr lang="en-US"/>
           </a:p>
@@ -519,7 +522,7 @@
           <a:p>
             <a:fld id="{5C32E917-F9FC-4C1B-9E3D-6687034D4941}" type="datetimeFigureOut">
               <a:rPr lang="en-US" smtClean="0"/>
-              <a:t>8/5/2021</a:t>
+              <a:t>8/12/2021</a:t>
             </a:fld>
             <a:endParaRPr lang="en-US"/>
           </a:p>
@@ -727,7 +730,7 @@
           <a:p>
             <a:fld id="{5C32E917-F9FC-4C1B-9E3D-6687034D4941}" type="datetimeFigureOut">
               <a:rPr lang="en-US" smtClean="0"/>
-              <a:t>8/5/2021</a:t>
+              <a:t>8/12/2021</a:t>
             </a:fld>
             <a:endParaRPr lang="en-US"/>
           </a:p>
@@ -925,7 +928,7 @@
           <a:p>
             <a:fld id="{5C32E917-F9FC-4C1B-9E3D-6687034D4941}" type="datetimeFigureOut">
               <a:rPr lang="en-US" smtClean="0"/>
-              <a:t>8/5/2021</a:t>
+              <a:t>8/12/2021</a:t>
             </a:fld>
             <a:endParaRPr lang="en-US"/>
           </a:p>
@@ -1200,7 +1203,7 @@
           <a:p>
             <a:fld id="{5C32E917-F9FC-4C1B-9E3D-6687034D4941}" type="datetimeFigureOut">
               <a:rPr lang="en-US" smtClean="0"/>
-              <a:t>8/5/2021</a:t>
+              <a:t>8/12/2021</a:t>
             </a:fld>
             <a:endParaRPr lang="en-US"/>
           </a:p>
@@ -1465,7 +1468,7 @@
           <a:p>
             <a:fld id="{5C32E917-F9FC-4C1B-9E3D-6687034D4941}" type="datetimeFigureOut">
               <a:rPr lang="en-US" smtClean="0"/>
-              <a:t>8/5/2021</a:t>
+              <a:t>8/12/2021</a:t>
             </a:fld>
             <a:endParaRPr lang="en-US"/>
           </a:p>
@@ -1877,7 +1880,7 @@
           <a:p>
             <a:fld id="{5C32E917-F9FC-4C1B-9E3D-6687034D4941}" type="datetimeFigureOut">
               <a:rPr lang="en-US" smtClean="0"/>
-              <a:t>8/5/2021</a:t>
+              <a:t>8/12/2021</a:t>
             </a:fld>
             <a:endParaRPr lang="en-US"/>
           </a:p>
@@ -2018,7 +2021,7 @@
           <a:p>
             <a:fld id="{5C32E917-F9FC-4C1B-9E3D-6687034D4941}" type="datetimeFigureOut">
               <a:rPr lang="en-US" smtClean="0"/>
-              <a:t>8/5/2021</a:t>
+              <a:t>8/12/2021</a:t>
             </a:fld>
             <a:endParaRPr lang="en-US"/>
           </a:p>
@@ -2131,7 +2134,7 @@
           <a:p>
             <a:fld id="{5C32E917-F9FC-4C1B-9E3D-6687034D4941}" type="datetimeFigureOut">
               <a:rPr lang="en-US" smtClean="0"/>
-              <a:t>8/5/2021</a:t>
+              <a:t>8/12/2021</a:t>
             </a:fld>
             <a:endParaRPr lang="en-US"/>
           </a:p>
@@ -2442,7 +2445,7 @@
           <a:p>
             <a:fld id="{5C32E917-F9FC-4C1B-9E3D-6687034D4941}" type="datetimeFigureOut">
               <a:rPr lang="en-US" smtClean="0"/>
-              <a:t>8/5/2021</a:t>
+              <a:t>8/12/2021</a:t>
             </a:fld>
             <a:endParaRPr lang="en-US"/>
           </a:p>
@@ -2730,7 +2733,7 @@
           <a:p>
             <a:fld id="{5C32E917-F9FC-4C1B-9E3D-6687034D4941}" type="datetimeFigureOut">
               <a:rPr lang="en-US" smtClean="0"/>
-              <a:t>8/5/2021</a:t>
+              <a:t>8/12/2021</a:t>
             </a:fld>
             <a:endParaRPr lang="en-US"/>
           </a:p>
@@ -2971,7 +2974,7 @@
           <a:p>
             <a:fld id="{5C32E917-F9FC-4C1B-9E3D-6687034D4941}" type="datetimeFigureOut">
               <a:rPr lang="en-US" smtClean="0"/>
-              <a:t>8/5/2021</a:t>
+              <a:t>8/12/2021</a:t>
             </a:fld>
             <a:endParaRPr lang="en-US"/>
           </a:p>
